--- a/paper/paper 1/paper1.pptx
+++ b/paper/paper 1/paper1.pptx
@@ -104,6 +104,11 @@
       </a:defRPr>
     </a:lvl9pPr>
   </p:defaultTextStyle>
+  <p:extLst>
+    <p:ext uri="{EFAFB233-063F-42B5-8137-9DF3F51BA10A}">
+      <p15:sldGuideLst xmlns:p15="http://schemas.microsoft.com/office/powerpoint/2012/main"/>
+    </p:ext>
+  </p:extLst>
 </p:presentation>
 </file>
 
@@ -2966,20 +2971,222 @@
       </p:grpSpPr>
       <p:sp>
         <p:nvSpPr>
-          <p:cNvPr id="4" name="Ellipse 3"/>
+          <p:cNvPr id="3" name="Inhaltsplatzhalter 2"/>
+          <p:cNvSpPr txBox="1">
+            <a:spLocks/>
+          </p:cNvSpPr>
+          <p:nvPr/>
+        </p:nvSpPr>
+        <p:spPr>
+          <a:xfrm>
+            <a:off x="2387600" y="1347435"/>
+            <a:ext cx="2451100" cy="392465"/>
+          </a:xfrm>
+          <a:prstGeom prst="rect">
+            <a:avLst/>
+          </a:prstGeom>
+        </p:spPr>
+        <p:txBody>
+          <a:bodyPr vert="horz" lIns="91440" tIns="45720" rIns="91440" bIns="45720" rtlCol="0">
+            <a:normAutofit/>
+          </a:bodyPr>
+          <a:lstStyle>
+            <a:lvl1pPr marL="0" indent="0" algn="ctr" defTabSz="914400" rtl="0" eaLnBrk="1" latinLnBrk="0" hangingPunct="1">
+              <a:lnSpc>
+                <a:spcPct val="90000"/>
+              </a:lnSpc>
+              <a:spcBef>
+                <a:spcPts val="1000"/>
+              </a:spcBef>
+              <a:buFont typeface="Arial" panose="020B0604020202020204" pitchFamily="34" charset="0"/>
+              <a:buNone/>
+              <a:defRPr sz="2400" kern="1200">
+                <a:solidFill>
+                  <a:schemeClr val="tx1"/>
+                </a:solidFill>
+                <a:latin typeface="+mn-lt"/>
+                <a:ea typeface="+mn-ea"/>
+                <a:cs typeface="+mn-cs"/>
+              </a:defRPr>
+            </a:lvl1pPr>
+            <a:lvl2pPr marL="457200" indent="0" algn="ctr" defTabSz="914400" rtl="0" eaLnBrk="1" latinLnBrk="0" hangingPunct="1">
+              <a:lnSpc>
+                <a:spcPct val="90000"/>
+              </a:lnSpc>
+              <a:spcBef>
+                <a:spcPts val="500"/>
+              </a:spcBef>
+              <a:buFont typeface="Arial" panose="020B0604020202020204" pitchFamily="34" charset="0"/>
+              <a:buNone/>
+              <a:defRPr sz="2000" kern="1200">
+                <a:solidFill>
+                  <a:schemeClr val="tx1"/>
+                </a:solidFill>
+                <a:latin typeface="+mn-lt"/>
+                <a:ea typeface="+mn-ea"/>
+                <a:cs typeface="+mn-cs"/>
+              </a:defRPr>
+            </a:lvl2pPr>
+            <a:lvl3pPr marL="914400" indent="0" algn="ctr" defTabSz="914400" rtl="0" eaLnBrk="1" latinLnBrk="0" hangingPunct="1">
+              <a:lnSpc>
+                <a:spcPct val="90000"/>
+              </a:lnSpc>
+              <a:spcBef>
+                <a:spcPts val="500"/>
+              </a:spcBef>
+              <a:buFont typeface="Arial" panose="020B0604020202020204" pitchFamily="34" charset="0"/>
+              <a:buNone/>
+              <a:defRPr sz="1800" kern="1200">
+                <a:solidFill>
+                  <a:schemeClr val="tx1"/>
+                </a:solidFill>
+                <a:latin typeface="+mn-lt"/>
+                <a:ea typeface="+mn-ea"/>
+                <a:cs typeface="+mn-cs"/>
+              </a:defRPr>
+            </a:lvl3pPr>
+            <a:lvl4pPr marL="1371600" indent="0" algn="ctr" defTabSz="914400" rtl="0" eaLnBrk="1" latinLnBrk="0" hangingPunct="1">
+              <a:lnSpc>
+                <a:spcPct val="90000"/>
+              </a:lnSpc>
+              <a:spcBef>
+                <a:spcPts val="500"/>
+              </a:spcBef>
+              <a:buFont typeface="Arial" panose="020B0604020202020204" pitchFamily="34" charset="0"/>
+              <a:buNone/>
+              <a:defRPr sz="1600" kern="1200">
+                <a:solidFill>
+                  <a:schemeClr val="tx1"/>
+                </a:solidFill>
+                <a:latin typeface="+mn-lt"/>
+                <a:ea typeface="+mn-ea"/>
+                <a:cs typeface="+mn-cs"/>
+              </a:defRPr>
+            </a:lvl4pPr>
+            <a:lvl5pPr marL="1828800" indent="0" algn="ctr" defTabSz="914400" rtl="0" eaLnBrk="1" latinLnBrk="0" hangingPunct="1">
+              <a:lnSpc>
+                <a:spcPct val="90000"/>
+              </a:lnSpc>
+              <a:spcBef>
+                <a:spcPts val="500"/>
+              </a:spcBef>
+              <a:buFont typeface="Arial" panose="020B0604020202020204" pitchFamily="34" charset="0"/>
+              <a:buNone/>
+              <a:defRPr sz="1600" kern="1200">
+                <a:solidFill>
+                  <a:schemeClr val="tx1"/>
+                </a:solidFill>
+                <a:latin typeface="+mn-lt"/>
+                <a:ea typeface="+mn-ea"/>
+                <a:cs typeface="+mn-cs"/>
+              </a:defRPr>
+            </a:lvl5pPr>
+            <a:lvl6pPr marL="2286000" indent="0" algn="ctr" defTabSz="914400" rtl="0" eaLnBrk="1" latinLnBrk="0" hangingPunct="1">
+              <a:lnSpc>
+                <a:spcPct val="90000"/>
+              </a:lnSpc>
+              <a:spcBef>
+                <a:spcPts val="500"/>
+              </a:spcBef>
+              <a:buFont typeface="Arial" panose="020B0604020202020204" pitchFamily="34" charset="0"/>
+              <a:buNone/>
+              <a:defRPr sz="1600" kern="1200">
+                <a:solidFill>
+                  <a:schemeClr val="tx1"/>
+                </a:solidFill>
+                <a:latin typeface="+mn-lt"/>
+                <a:ea typeface="+mn-ea"/>
+                <a:cs typeface="+mn-cs"/>
+              </a:defRPr>
+            </a:lvl6pPr>
+            <a:lvl7pPr marL="2743200" indent="0" algn="ctr" defTabSz="914400" rtl="0" eaLnBrk="1" latinLnBrk="0" hangingPunct="1">
+              <a:lnSpc>
+                <a:spcPct val="90000"/>
+              </a:lnSpc>
+              <a:spcBef>
+                <a:spcPts val="500"/>
+              </a:spcBef>
+              <a:buFont typeface="Arial" panose="020B0604020202020204" pitchFamily="34" charset="0"/>
+              <a:buNone/>
+              <a:defRPr sz="1600" kern="1200">
+                <a:solidFill>
+                  <a:schemeClr val="tx1"/>
+                </a:solidFill>
+                <a:latin typeface="+mn-lt"/>
+                <a:ea typeface="+mn-ea"/>
+                <a:cs typeface="+mn-cs"/>
+              </a:defRPr>
+            </a:lvl7pPr>
+            <a:lvl8pPr marL="3200400" indent="0" algn="ctr" defTabSz="914400" rtl="0" eaLnBrk="1" latinLnBrk="0" hangingPunct="1">
+              <a:lnSpc>
+                <a:spcPct val="90000"/>
+              </a:lnSpc>
+              <a:spcBef>
+                <a:spcPts val="500"/>
+              </a:spcBef>
+              <a:buFont typeface="Arial" panose="020B0604020202020204" pitchFamily="34" charset="0"/>
+              <a:buNone/>
+              <a:defRPr sz="1600" kern="1200">
+                <a:solidFill>
+                  <a:schemeClr val="tx1"/>
+                </a:solidFill>
+                <a:latin typeface="+mn-lt"/>
+                <a:ea typeface="+mn-ea"/>
+                <a:cs typeface="+mn-cs"/>
+              </a:defRPr>
+            </a:lvl8pPr>
+            <a:lvl9pPr marL="3657600" indent="0" algn="ctr" defTabSz="914400" rtl="0" eaLnBrk="1" latinLnBrk="0" hangingPunct="1">
+              <a:lnSpc>
+                <a:spcPct val="90000"/>
+              </a:lnSpc>
+              <a:spcBef>
+                <a:spcPts val="500"/>
+              </a:spcBef>
+              <a:buFont typeface="Arial" panose="020B0604020202020204" pitchFamily="34" charset="0"/>
+              <a:buNone/>
+              <a:defRPr sz="1600" kern="1200">
+                <a:solidFill>
+                  <a:schemeClr val="tx1"/>
+                </a:solidFill>
+                <a:latin typeface="+mn-lt"/>
+                <a:ea typeface="+mn-ea"/>
+                <a:cs typeface="+mn-cs"/>
+              </a:defRPr>
+            </a:lvl9pPr>
+          </a:lstStyle>
+          <a:p>
+            <a:r>
+              <a:rPr lang="en-US" sz="1600" smtClean="0">
+                <a:latin typeface="Courier New" panose="02070309020205020404" pitchFamily="49" charset="0"/>
+                <a:cs typeface="Courier New" panose="02070309020205020404" pitchFamily="49" charset="0"/>
+              </a:rPr>
+              <a:t>OWL 2 QL R</a:t>
+            </a:r>
+            <a:endParaRPr lang="en-US" sz="1600">
+              <a:latin typeface="Courier New" panose="02070309020205020404" pitchFamily="49" charset="0"/>
+              <a:cs typeface="Courier New" panose="02070309020205020404" pitchFamily="49" charset="0"/>
+            </a:endParaRPr>
+          </a:p>
+        </p:txBody>
+      </p:sp>
+      <p:sp>
+        <p:nvSpPr>
+          <p:cNvPr id="7" name="Ellipse 6"/>
           <p:cNvSpPr/>
           <p:nvPr/>
         </p:nvSpPr>
         <p:spPr>
           <a:xfrm>
-            <a:off x="1871785" y="1434123"/>
+            <a:off x="325800" y="3068515"/>
             <a:ext cx="2700000" cy="2700000"/>
           </a:xfrm>
           <a:prstGeom prst="ellipse">
             <a:avLst/>
           </a:prstGeom>
           <a:solidFill>
-            <a:schemeClr val="bg1"/>
+            <a:schemeClr val="bg1">
+              <a:alpha val="0"/>
+            </a:schemeClr>
           </a:solidFill>
           <a:ln>
             <a:solidFill>
@@ -3008,7 +3215,555 @@
           <a:lstStyle/>
           <a:p>
             <a:pPr algn="ctr"/>
-            <a:endParaRPr lang="en-US"/>
+            <a:r>
+              <a:rPr lang="de-DE" smtClean="0">
+                <a:solidFill>
+                  <a:schemeClr val="tx1"/>
+                </a:solidFill>
+                <a:latin typeface="Courier New" panose="02070309020205020404" pitchFamily="49" charset="0"/>
+                <a:cs typeface="Courier New" panose="02070309020205020404" pitchFamily="49" charset="0"/>
+              </a:rPr>
+              <a:t>PSPACE-Complete</a:t>
+            </a:r>
+            <a:endParaRPr lang="en-US">
+              <a:solidFill>
+                <a:schemeClr val="tx1"/>
+              </a:solidFill>
+              <a:latin typeface="Courier New" panose="02070309020205020404" pitchFamily="49" charset="0"/>
+              <a:cs typeface="Courier New" panose="02070309020205020404" pitchFamily="49" charset="0"/>
+            </a:endParaRPr>
+          </a:p>
+        </p:txBody>
+      </p:sp>
+      <p:sp>
+        <p:nvSpPr>
+          <p:cNvPr id="8" name="Ellipse 7"/>
+          <p:cNvSpPr/>
+          <p:nvPr/>
+        </p:nvSpPr>
+        <p:spPr>
+          <a:xfrm>
+            <a:off x="4628169" y="1849315"/>
+            <a:ext cx="2700000" cy="2700000"/>
+          </a:xfrm>
+          <a:prstGeom prst="ellipse">
+            <a:avLst/>
+          </a:prstGeom>
+          <a:solidFill>
+            <a:schemeClr val="bg1">
+              <a:alpha val="0"/>
+            </a:schemeClr>
+          </a:solidFill>
+          <a:ln>
+            <a:solidFill>
+              <a:schemeClr val="tx1"/>
+            </a:solidFill>
+          </a:ln>
+        </p:spPr>
+        <p:style>
+          <a:lnRef idx="2">
+            <a:schemeClr val="accent1">
+              <a:shade val="50000"/>
+            </a:schemeClr>
+          </a:lnRef>
+          <a:fillRef idx="1">
+            <a:schemeClr val="accent1"/>
+          </a:fillRef>
+          <a:effectRef idx="0">
+            <a:schemeClr val="accent1"/>
+          </a:effectRef>
+          <a:fontRef idx="minor">
+            <a:schemeClr val="lt1"/>
+          </a:fontRef>
+        </p:style>
+        <p:txBody>
+          <a:bodyPr rtlCol="0" anchor="ctr"/>
+          <a:lstStyle/>
+          <a:p>
+            <a:pPr algn="ctr"/>
+            <a:r>
+              <a:rPr lang="de-DE" smtClean="0">
+                <a:solidFill>
+                  <a:schemeClr val="tx1"/>
+                </a:solidFill>
+                <a:latin typeface="Courier New" panose="02070309020205020404" pitchFamily="49" charset="0"/>
+                <a:cs typeface="Courier New" panose="02070309020205020404" pitchFamily="49" charset="0"/>
+              </a:rPr>
+              <a:t>PTIME</a:t>
+            </a:r>
+            <a:endParaRPr lang="en-US">
+              <a:solidFill>
+                <a:schemeClr val="tx1"/>
+              </a:solidFill>
+              <a:latin typeface="Courier New" panose="02070309020205020404" pitchFamily="49" charset="0"/>
+              <a:cs typeface="Courier New" panose="02070309020205020404" pitchFamily="49" charset="0"/>
+            </a:endParaRPr>
+          </a:p>
+        </p:txBody>
+      </p:sp>
+      <p:sp>
+        <p:nvSpPr>
+          <p:cNvPr id="9" name="Ellipse 8"/>
+          <p:cNvSpPr/>
+          <p:nvPr/>
+        </p:nvSpPr>
+        <p:spPr>
+          <a:xfrm>
+            <a:off x="8051307" y="2810607"/>
+            <a:ext cx="2700000" cy="2700000"/>
+          </a:xfrm>
+          <a:prstGeom prst="ellipse">
+            <a:avLst/>
+          </a:prstGeom>
+          <a:solidFill>
+            <a:schemeClr val="bg1">
+              <a:alpha val="0"/>
+            </a:schemeClr>
+          </a:solidFill>
+          <a:ln>
+            <a:solidFill>
+              <a:schemeClr val="tx1"/>
+            </a:solidFill>
+          </a:ln>
+        </p:spPr>
+        <p:style>
+          <a:lnRef idx="2">
+            <a:schemeClr val="accent1">
+              <a:shade val="50000"/>
+            </a:schemeClr>
+          </a:lnRef>
+          <a:fillRef idx="1">
+            <a:schemeClr val="accent1"/>
+          </a:fillRef>
+          <a:effectRef idx="0">
+            <a:schemeClr val="accent1"/>
+          </a:effectRef>
+          <a:fontRef idx="minor">
+            <a:schemeClr val="lt1"/>
+          </a:fontRef>
+        </p:style>
+        <p:txBody>
+          <a:bodyPr rtlCol="0" anchor="ctr"/>
+          <a:lstStyle/>
+          <a:p>
+            <a:pPr algn="ctr"/>
+            <a:r>
+              <a:rPr lang="de-DE" smtClean="0">
+                <a:solidFill>
+                  <a:schemeClr val="tx1"/>
+                </a:solidFill>
+                <a:latin typeface="Courier New" panose="02070309020205020404" pitchFamily="49" charset="0"/>
+                <a:cs typeface="Courier New" panose="02070309020205020404" pitchFamily="49" charset="0"/>
+              </a:rPr>
+              <a:t>N2EXPTIME</a:t>
+            </a:r>
+            <a:endParaRPr lang="en-US">
+              <a:solidFill>
+                <a:schemeClr val="tx1"/>
+              </a:solidFill>
+              <a:latin typeface="Courier New" panose="02070309020205020404" pitchFamily="49" charset="0"/>
+              <a:cs typeface="Courier New" panose="02070309020205020404" pitchFamily="49" charset="0"/>
+            </a:endParaRPr>
+          </a:p>
+        </p:txBody>
+      </p:sp>
+      <p:sp>
+        <p:nvSpPr>
+          <p:cNvPr id="10" name="Inhaltsplatzhalter 2"/>
+          <p:cNvSpPr txBox="1">
+            <a:spLocks/>
+          </p:cNvSpPr>
+          <p:nvPr/>
+        </p:nvSpPr>
+        <p:spPr>
+          <a:xfrm>
+            <a:off x="2387600" y="2011742"/>
+            <a:ext cx="2451100" cy="392465"/>
+          </a:xfrm>
+          <a:prstGeom prst="rect">
+            <a:avLst/>
+          </a:prstGeom>
+        </p:spPr>
+        <p:txBody>
+          <a:bodyPr vert="horz" lIns="91440" tIns="45720" rIns="91440" bIns="45720" rtlCol="0">
+            <a:normAutofit/>
+          </a:bodyPr>
+          <a:lstStyle>
+            <a:lvl1pPr marL="0" indent="0" algn="ctr" defTabSz="914400" rtl="0" eaLnBrk="1" latinLnBrk="0" hangingPunct="1">
+              <a:lnSpc>
+                <a:spcPct val="90000"/>
+              </a:lnSpc>
+              <a:spcBef>
+                <a:spcPts val="1000"/>
+              </a:spcBef>
+              <a:buFont typeface="Arial" panose="020B0604020202020204" pitchFamily="34" charset="0"/>
+              <a:buNone/>
+              <a:defRPr sz="2400" kern="1200">
+                <a:solidFill>
+                  <a:schemeClr val="tx1"/>
+                </a:solidFill>
+                <a:latin typeface="+mn-lt"/>
+                <a:ea typeface="+mn-ea"/>
+                <a:cs typeface="+mn-cs"/>
+              </a:defRPr>
+            </a:lvl1pPr>
+            <a:lvl2pPr marL="457200" indent="0" algn="ctr" defTabSz="914400" rtl="0" eaLnBrk="1" latinLnBrk="0" hangingPunct="1">
+              <a:lnSpc>
+                <a:spcPct val="90000"/>
+              </a:lnSpc>
+              <a:spcBef>
+                <a:spcPts val="500"/>
+              </a:spcBef>
+              <a:buFont typeface="Arial" panose="020B0604020202020204" pitchFamily="34" charset="0"/>
+              <a:buNone/>
+              <a:defRPr sz="2000" kern="1200">
+                <a:solidFill>
+                  <a:schemeClr val="tx1"/>
+                </a:solidFill>
+                <a:latin typeface="+mn-lt"/>
+                <a:ea typeface="+mn-ea"/>
+                <a:cs typeface="+mn-cs"/>
+              </a:defRPr>
+            </a:lvl2pPr>
+            <a:lvl3pPr marL="914400" indent="0" algn="ctr" defTabSz="914400" rtl="0" eaLnBrk="1" latinLnBrk="0" hangingPunct="1">
+              <a:lnSpc>
+                <a:spcPct val="90000"/>
+              </a:lnSpc>
+              <a:spcBef>
+                <a:spcPts val="500"/>
+              </a:spcBef>
+              <a:buFont typeface="Arial" panose="020B0604020202020204" pitchFamily="34" charset="0"/>
+              <a:buNone/>
+              <a:defRPr sz="1800" kern="1200">
+                <a:solidFill>
+                  <a:schemeClr val="tx1"/>
+                </a:solidFill>
+                <a:latin typeface="+mn-lt"/>
+                <a:ea typeface="+mn-ea"/>
+                <a:cs typeface="+mn-cs"/>
+              </a:defRPr>
+            </a:lvl3pPr>
+            <a:lvl4pPr marL="1371600" indent="0" algn="ctr" defTabSz="914400" rtl="0" eaLnBrk="1" latinLnBrk="0" hangingPunct="1">
+              <a:lnSpc>
+                <a:spcPct val="90000"/>
+              </a:lnSpc>
+              <a:spcBef>
+                <a:spcPts val="500"/>
+              </a:spcBef>
+              <a:buFont typeface="Arial" panose="020B0604020202020204" pitchFamily="34" charset="0"/>
+              <a:buNone/>
+              <a:defRPr sz="1600" kern="1200">
+                <a:solidFill>
+                  <a:schemeClr val="tx1"/>
+                </a:solidFill>
+                <a:latin typeface="+mn-lt"/>
+                <a:ea typeface="+mn-ea"/>
+                <a:cs typeface="+mn-cs"/>
+              </a:defRPr>
+            </a:lvl4pPr>
+            <a:lvl5pPr marL="1828800" indent="0" algn="ctr" defTabSz="914400" rtl="0" eaLnBrk="1" latinLnBrk="0" hangingPunct="1">
+              <a:lnSpc>
+                <a:spcPct val="90000"/>
+              </a:lnSpc>
+              <a:spcBef>
+                <a:spcPts val="500"/>
+              </a:spcBef>
+              <a:buFont typeface="Arial" panose="020B0604020202020204" pitchFamily="34" charset="0"/>
+              <a:buNone/>
+              <a:defRPr sz="1600" kern="1200">
+                <a:solidFill>
+                  <a:schemeClr val="tx1"/>
+                </a:solidFill>
+                <a:latin typeface="+mn-lt"/>
+                <a:ea typeface="+mn-ea"/>
+                <a:cs typeface="+mn-cs"/>
+              </a:defRPr>
+            </a:lvl5pPr>
+            <a:lvl6pPr marL="2286000" indent="0" algn="ctr" defTabSz="914400" rtl="0" eaLnBrk="1" latinLnBrk="0" hangingPunct="1">
+              <a:lnSpc>
+                <a:spcPct val="90000"/>
+              </a:lnSpc>
+              <a:spcBef>
+                <a:spcPts val="500"/>
+              </a:spcBef>
+              <a:buFont typeface="Arial" panose="020B0604020202020204" pitchFamily="34" charset="0"/>
+              <a:buNone/>
+              <a:defRPr sz="1600" kern="1200">
+                <a:solidFill>
+                  <a:schemeClr val="tx1"/>
+                </a:solidFill>
+                <a:latin typeface="+mn-lt"/>
+                <a:ea typeface="+mn-ea"/>
+                <a:cs typeface="+mn-cs"/>
+              </a:defRPr>
+            </a:lvl6pPr>
+            <a:lvl7pPr marL="2743200" indent="0" algn="ctr" defTabSz="914400" rtl="0" eaLnBrk="1" latinLnBrk="0" hangingPunct="1">
+              <a:lnSpc>
+                <a:spcPct val="90000"/>
+              </a:lnSpc>
+              <a:spcBef>
+                <a:spcPts val="500"/>
+              </a:spcBef>
+              <a:buFont typeface="Arial" panose="020B0604020202020204" pitchFamily="34" charset="0"/>
+              <a:buNone/>
+              <a:defRPr sz="1600" kern="1200">
+                <a:solidFill>
+                  <a:schemeClr val="tx1"/>
+                </a:solidFill>
+                <a:latin typeface="+mn-lt"/>
+                <a:ea typeface="+mn-ea"/>
+                <a:cs typeface="+mn-cs"/>
+              </a:defRPr>
+            </a:lvl7pPr>
+            <a:lvl8pPr marL="3200400" indent="0" algn="ctr" defTabSz="914400" rtl="0" eaLnBrk="1" latinLnBrk="0" hangingPunct="1">
+              <a:lnSpc>
+                <a:spcPct val="90000"/>
+              </a:lnSpc>
+              <a:spcBef>
+                <a:spcPts val="500"/>
+              </a:spcBef>
+              <a:buFont typeface="Arial" panose="020B0604020202020204" pitchFamily="34" charset="0"/>
+              <a:buNone/>
+              <a:defRPr sz="1600" kern="1200">
+                <a:solidFill>
+                  <a:schemeClr val="tx1"/>
+                </a:solidFill>
+                <a:latin typeface="+mn-lt"/>
+                <a:ea typeface="+mn-ea"/>
+                <a:cs typeface="+mn-cs"/>
+              </a:defRPr>
+            </a:lvl8pPr>
+            <a:lvl9pPr marL="3657600" indent="0" algn="ctr" defTabSz="914400" rtl="0" eaLnBrk="1" latinLnBrk="0" hangingPunct="1">
+              <a:lnSpc>
+                <a:spcPct val="90000"/>
+              </a:lnSpc>
+              <a:spcBef>
+                <a:spcPts val="500"/>
+              </a:spcBef>
+              <a:buFont typeface="Arial" panose="020B0604020202020204" pitchFamily="34" charset="0"/>
+              <a:buNone/>
+              <a:defRPr sz="1600" kern="1200">
+                <a:solidFill>
+                  <a:schemeClr val="tx1"/>
+                </a:solidFill>
+                <a:latin typeface="+mn-lt"/>
+                <a:ea typeface="+mn-ea"/>
+                <a:cs typeface="+mn-cs"/>
+              </a:defRPr>
+            </a:lvl9pPr>
+          </a:lstStyle>
+          <a:p>
+            <a:r>
+              <a:rPr lang="en-US" sz="1600" smtClean="0">
+                <a:latin typeface="Courier New" panose="02070309020205020404" pitchFamily="49" charset="0"/>
+                <a:cs typeface="Courier New" panose="02070309020205020404" pitchFamily="49" charset="0"/>
+              </a:rPr>
+              <a:t>OWL 2 DL R</a:t>
+            </a:r>
+            <a:endParaRPr lang="en-US" sz="1600">
+              <a:latin typeface="Courier New" panose="02070309020205020404" pitchFamily="49" charset="0"/>
+              <a:cs typeface="Courier New" panose="02070309020205020404" pitchFamily="49" charset="0"/>
+            </a:endParaRPr>
+          </a:p>
+        </p:txBody>
+      </p:sp>
+      <p:sp>
+        <p:nvSpPr>
+          <p:cNvPr id="11" name="Inhaltsplatzhalter 2"/>
+          <p:cNvSpPr txBox="1">
+            <a:spLocks/>
+          </p:cNvSpPr>
+          <p:nvPr/>
+        </p:nvSpPr>
+        <p:spPr>
+          <a:xfrm>
+            <a:off x="3527069" y="5082145"/>
+            <a:ext cx="2451100" cy="392465"/>
+          </a:xfrm>
+          <a:prstGeom prst="rect">
+            <a:avLst/>
+          </a:prstGeom>
+        </p:spPr>
+        <p:txBody>
+          <a:bodyPr vert="horz" lIns="91440" tIns="45720" rIns="91440" bIns="45720" rtlCol="0">
+            <a:normAutofit/>
+          </a:bodyPr>
+          <a:lstStyle>
+            <a:lvl1pPr marL="0" indent="0" algn="ctr" defTabSz="914400" rtl="0" eaLnBrk="1" latinLnBrk="0" hangingPunct="1">
+              <a:lnSpc>
+                <a:spcPct val="90000"/>
+              </a:lnSpc>
+              <a:spcBef>
+                <a:spcPts val="1000"/>
+              </a:spcBef>
+              <a:buFont typeface="Arial" panose="020B0604020202020204" pitchFamily="34" charset="0"/>
+              <a:buNone/>
+              <a:defRPr sz="2400" kern="1200">
+                <a:solidFill>
+                  <a:schemeClr val="tx1"/>
+                </a:solidFill>
+                <a:latin typeface="+mn-lt"/>
+                <a:ea typeface="+mn-ea"/>
+                <a:cs typeface="+mn-cs"/>
+              </a:defRPr>
+            </a:lvl1pPr>
+            <a:lvl2pPr marL="457200" indent="0" algn="ctr" defTabSz="914400" rtl="0" eaLnBrk="1" latinLnBrk="0" hangingPunct="1">
+              <a:lnSpc>
+                <a:spcPct val="90000"/>
+              </a:lnSpc>
+              <a:spcBef>
+                <a:spcPts val="500"/>
+              </a:spcBef>
+              <a:buFont typeface="Arial" panose="020B0604020202020204" pitchFamily="34" charset="0"/>
+              <a:buNone/>
+              <a:defRPr sz="2000" kern="1200">
+                <a:solidFill>
+                  <a:schemeClr val="tx1"/>
+                </a:solidFill>
+                <a:latin typeface="+mn-lt"/>
+                <a:ea typeface="+mn-ea"/>
+                <a:cs typeface="+mn-cs"/>
+              </a:defRPr>
+            </a:lvl2pPr>
+            <a:lvl3pPr marL="914400" indent="0" algn="ctr" defTabSz="914400" rtl="0" eaLnBrk="1" latinLnBrk="0" hangingPunct="1">
+              <a:lnSpc>
+                <a:spcPct val="90000"/>
+              </a:lnSpc>
+              <a:spcBef>
+                <a:spcPts val="500"/>
+              </a:spcBef>
+              <a:buFont typeface="Arial" panose="020B0604020202020204" pitchFamily="34" charset="0"/>
+              <a:buNone/>
+              <a:defRPr sz="1800" kern="1200">
+                <a:solidFill>
+                  <a:schemeClr val="tx1"/>
+                </a:solidFill>
+                <a:latin typeface="+mn-lt"/>
+                <a:ea typeface="+mn-ea"/>
+                <a:cs typeface="+mn-cs"/>
+              </a:defRPr>
+            </a:lvl3pPr>
+            <a:lvl4pPr marL="1371600" indent="0" algn="ctr" defTabSz="914400" rtl="0" eaLnBrk="1" latinLnBrk="0" hangingPunct="1">
+              <a:lnSpc>
+                <a:spcPct val="90000"/>
+              </a:lnSpc>
+              <a:spcBef>
+                <a:spcPts val="500"/>
+              </a:spcBef>
+              <a:buFont typeface="Arial" panose="020B0604020202020204" pitchFamily="34" charset="0"/>
+              <a:buNone/>
+              <a:defRPr sz="1600" kern="1200">
+                <a:solidFill>
+                  <a:schemeClr val="tx1"/>
+                </a:solidFill>
+                <a:latin typeface="+mn-lt"/>
+                <a:ea typeface="+mn-ea"/>
+                <a:cs typeface="+mn-cs"/>
+              </a:defRPr>
+            </a:lvl4pPr>
+            <a:lvl5pPr marL="1828800" indent="0" algn="ctr" defTabSz="914400" rtl="0" eaLnBrk="1" latinLnBrk="0" hangingPunct="1">
+              <a:lnSpc>
+                <a:spcPct val="90000"/>
+              </a:lnSpc>
+              <a:spcBef>
+                <a:spcPts val="500"/>
+              </a:spcBef>
+              <a:buFont typeface="Arial" panose="020B0604020202020204" pitchFamily="34" charset="0"/>
+              <a:buNone/>
+              <a:defRPr sz="1600" kern="1200">
+                <a:solidFill>
+                  <a:schemeClr val="tx1"/>
+                </a:solidFill>
+                <a:latin typeface="+mn-lt"/>
+                <a:ea typeface="+mn-ea"/>
+                <a:cs typeface="+mn-cs"/>
+              </a:defRPr>
+            </a:lvl5pPr>
+            <a:lvl6pPr marL="2286000" indent="0" algn="ctr" defTabSz="914400" rtl="0" eaLnBrk="1" latinLnBrk="0" hangingPunct="1">
+              <a:lnSpc>
+                <a:spcPct val="90000"/>
+              </a:lnSpc>
+              <a:spcBef>
+                <a:spcPts val="500"/>
+              </a:spcBef>
+              <a:buFont typeface="Arial" panose="020B0604020202020204" pitchFamily="34" charset="0"/>
+              <a:buNone/>
+              <a:defRPr sz="1600" kern="1200">
+                <a:solidFill>
+                  <a:schemeClr val="tx1"/>
+                </a:solidFill>
+                <a:latin typeface="+mn-lt"/>
+                <a:ea typeface="+mn-ea"/>
+                <a:cs typeface="+mn-cs"/>
+              </a:defRPr>
+            </a:lvl6pPr>
+            <a:lvl7pPr marL="2743200" indent="0" algn="ctr" defTabSz="914400" rtl="0" eaLnBrk="1" latinLnBrk="0" hangingPunct="1">
+              <a:lnSpc>
+                <a:spcPct val="90000"/>
+              </a:lnSpc>
+              <a:spcBef>
+                <a:spcPts val="500"/>
+              </a:spcBef>
+              <a:buFont typeface="Arial" panose="020B0604020202020204" pitchFamily="34" charset="0"/>
+              <a:buNone/>
+              <a:defRPr sz="1600" kern="1200">
+                <a:solidFill>
+                  <a:schemeClr val="tx1"/>
+                </a:solidFill>
+                <a:latin typeface="+mn-lt"/>
+                <a:ea typeface="+mn-ea"/>
+                <a:cs typeface="+mn-cs"/>
+              </a:defRPr>
+            </a:lvl7pPr>
+            <a:lvl8pPr marL="3200400" indent="0" algn="ctr" defTabSz="914400" rtl="0" eaLnBrk="1" latinLnBrk="0" hangingPunct="1">
+              <a:lnSpc>
+                <a:spcPct val="90000"/>
+              </a:lnSpc>
+              <a:spcBef>
+                <a:spcPts val="500"/>
+              </a:spcBef>
+              <a:buFont typeface="Arial" panose="020B0604020202020204" pitchFamily="34" charset="0"/>
+              <a:buNone/>
+              <a:defRPr sz="1600" kern="1200">
+                <a:solidFill>
+                  <a:schemeClr val="tx1"/>
+                </a:solidFill>
+                <a:latin typeface="+mn-lt"/>
+                <a:ea typeface="+mn-ea"/>
+                <a:cs typeface="+mn-cs"/>
+              </a:defRPr>
+            </a:lvl8pPr>
+            <a:lvl9pPr marL="3657600" indent="0" algn="ctr" defTabSz="914400" rtl="0" eaLnBrk="1" latinLnBrk="0" hangingPunct="1">
+              <a:lnSpc>
+                <a:spcPct val="90000"/>
+              </a:lnSpc>
+              <a:spcBef>
+                <a:spcPts val="500"/>
+              </a:spcBef>
+              <a:buFont typeface="Arial" panose="020B0604020202020204" pitchFamily="34" charset="0"/>
+              <a:buNone/>
+              <a:defRPr sz="1600" kern="1200">
+                <a:solidFill>
+                  <a:schemeClr val="tx1"/>
+                </a:solidFill>
+                <a:latin typeface="+mn-lt"/>
+                <a:ea typeface="+mn-ea"/>
+                <a:cs typeface="+mn-cs"/>
+              </a:defRPr>
+            </a:lvl9pPr>
+          </a:lstStyle>
+          <a:p>
+            <a:r>
+              <a:rPr lang="de-DE" sz="1600" smtClean="0">
+                <a:latin typeface="Courier New" panose="02070309020205020404" pitchFamily="49" charset="0"/>
+                <a:cs typeface="Courier New" panose="02070309020205020404" pitchFamily="49" charset="0"/>
+              </a:rPr>
+              <a:t>- R</a:t>
+            </a:r>
+            <a:endParaRPr lang="en-US" sz="1600">
+              <a:latin typeface="Courier New" panose="02070309020205020404" pitchFamily="49" charset="0"/>
+              <a:cs typeface="Courier New" panose="02070309020205020404" pitchFamily="49" charset="0"/>
+            </a:endParaRPr>
           </a:p>
         </p:txBody>
       </p:sp>

--- a/paper/paper 1/paper1.pptx
+++ b/paper/paper 1/paper1.pptx
@@ -2971,6 +2971,118 @@
       </p:grpSpPr>
       <p:sp>
         <p:nvSpPr>
+          <p:cNvPr id="8" name="Ellipse 7"/>
+          <p:cNvSpPr/>
+          <p:nvPr/>
+        </p:nvSpPr>
+        <p:spPr>
+          <a:xfrm>
+            <a:off x="2611848" y="2263545"/>
+            <a:ext cx="3930012" cy="3859813"/>
+          </a:xfrm>
+          <a:prstGeom prst="ellipse">
+            <a:avLst/>
+          </a:prstGeom>
+          <a:solidFill>
+            <a:schemeClr val="bg1">
+              <a:alpha val="0"/>
+            </a:schemeClr>
+          </a:solidFill>
+          <a:ln>
+            <a:solidFill>
+              <a:schemeClr val="tx1"/>
+            </a:solidFill>
+          </a:ln>
+        </p:spPr>
+        <p:style>
+          <a:lnRef idx="2">
+            <a:schemeClr val="accent1">
+              <a:shade val="50000"/>
+            </a:schemeClr>
+          </a:lnRef>
+          <a:fillRef idx="1">
+            <a:schemeClr val="accent1"/>
+          </a:fillRef>
+          <a:effectRef idx="0">
+            <a:schemeClr val="accent1"/>
+          </a:effectRef>
+          <a:fontRef idx="minor">
+            <a:schemeClr val="lt1"/>
+          </a:fontRef>
+        </p:style>
+        <p:txBody>
+          <a:bodyPr rtlCol="0" anchor="ctr"/>
+          <a:lstStyle/>
+          <a:p>
+            <a:pPr algn="ctr"/>
+            <a:endParaRPr lang="en-US">
+              <a:solidFill>
+                <a:schemeClr val="tx1"/>
+              </a:solidFill>
+              <a:latin typeface="Courier New" panose="02070309020205020404" pitchFamily="49" charset="0"/>
+              <a:cs typeface="Courier New" panose="02070309020205020404" pitchFamily="49" charset="0"/>
+            </a:endParaRPr>
+          </a:p>
+        </p:txBody>
+      </p:sp>
+      <p:sp>
+        <p:nvSpPr>
+          <p:cNvPr id="9" name="Ellipse 8"/>
+          <p:cNvSpPr/>
+          <p:nvPr/>
+        </p:nvSpPr>
+        <p:spPr>
+          <a:xfrm>
+            <a:off x="2163270" y="1016386"/>
+            <a:ext cx="5888037" cy="5574914"/>
+          </a:xfrm>
+          <a:prstGeom prst="ellipse">
+            <a:avLst/>
+          </a:prstGeom>
+          <a:solidFill>
+            <a:schemeClr val="bg1">
+              <a:alpha val="0"/>
+            </a:schemeClr>
+          </a:solidFill>
+          <a:ln>
+            <a:solidFill>
+              <a:schemeClr val="tx1"/>
+            </a:solidFill>
+          </a:ln>
+        </p:spPr>
+        <p:style>
+          <a:lnRef idx="2">
+            <a:schemeClr val="accent1">
+              <a:shade val="50000"/>
+            </a:schemeClr>
+          </a:lnRef>
+          <a:fillRef idx="1">
+            <a:schemeClr val="accent1"/>
+          </a:fillRef>
+          <a:effectRef idx="0">
+            <a:schemeClr val="accent1"/>
+          </a:effectRef>
+          <a:fontRef idx="minor">
+            <a:schemeClr val="lt1"/>
+          </a:fontRef>
+        </p:style>
+        <p:txBody>
+          <a:bodyPr rtlCol="0" anchor="ctr"/>
+          <a:lstStyle/>
+          <a:p>
+            <a:pPr algn="ctr"/>
+            <a:endParaRPr lang="en-US">
+              <a:solidFill>
+                <a:schemeClr val="tx1"/>
+              </a:solidFill>
+              <a:latin typeface="Courier New" panose="02070309020205020404" pitchFamily="49" charset="0"/>
+              <a:cs typeface="Courier New" panose="02070309020205020404" pitchFamily="49" charset="0"/>
+            </a:endParaRPr>
+          </a:p>
+        </p:txBody>
+      </p:sp>
+      <p:sp>
+        <p:nvSpPr>
           <p:cNvPr id="3" name="Inhaltsplatzhalter 2"/>
           <p:cNvSpPr txBox="1">
             <a:spLocks/>
@@ -2979,7 +3091,7 @@
         </p:nvSpPr>
         <p:spPr>
           <a:xfrm>
-            <a:off x="2387600" y="1347435"/>
+            <a:off x="2764276" y="5428150"/>
             <a:ext cx="2451100" cy="392465"/>
           </a:xfrm>
           <a:prstGeom prst="rect">
@@ -3177,7 +3289,7 @@
         </p:nvSpPr>
         <p:spPr>
           <a:xfrm>
-            <a:off x="325800" y="3068515"/>
+            <a:off x="3024657" y="2565330"/>
             <a:ext cx="2700000" cy="2700000"/>
           </a:xfrm>
           <a:prstGeom prst="ellipse">
@@ -3215,16 +3327,6 @@
           <a:lstStyle/>
           <a:p>
             <a:pPr algn="ctr"/>
-            <a:r>
-              <a:rPr lang="de-DE" smtClean="0">
-                <a:solidFill>
-                  <a:schemeClr val="tx1"/>
-                </a:solidFill>
-                <a:latin typeface="Courier New" panose="02070309020205020404" pitchFamily="49" charset="0"/>
-                <a:cs typeface="Courier New" panose="02070309020205020404" pitchFamily="49" charset="0"/>
-              </a:rPr>
-              <a:t>PSPACE-Complete</a:t>
-            </a:r>
             <a:endParaRPr lang="en-US">
               <a:solidFill>
                 <a:schemeClr val="tx1"/>
@@ -3237,138 +3339,6 @@
       </p:sp>
       <p:sp>
         <p:nvSpPr>
-          <p:cNvPr id="8" name="Ellipse 7"/>
-          <p:cNvSpPr/>
-          <p:nvPr/>
-        </p:nvSpPr>
-        <p:spPr>
-          <a:xfrm>
-            <a:off x="4628169" y="1849315"/>
-            <a:ext cx="2700000" cy="2700000"/>
-          </a:xfrm>
-          <a:prstGeom prst="ellipse">
-            <a:avLst/>
-          </a:prstGeom>
-          <a:solidFill>
-            <a:schemeClr val="bg1">
-              <a:alpha val="0"/>
-            </a:schemeClr>
-          </a:solidFill>
-          <a:ln>
-            <a:solidFill>
-              <a:schemeClr val="tx1"/>
-            </a:solidFill>
-          </a:ln>
-        </p:spPr>
-        <p:style>
-          <a:lnRef idx="2">
-            <a:schemeClr val="accent1">
-              <a:shade val="50000"/>
-            </a:schemeClr>
-          </a:lnRef>
-          <a:fillRef idx="1">
-            <a:schemeClr val="accent1"/>
-          </a:fillRef>
-          <a:effectRef idx="0">
-            <a:schemeClr val="accent1"/>
-          </a:effectRef>
-          <a:fontRef idx="minor">
-            <a:schemeClr val="lt1"/>
-          </a:fontRef>
-        </p:style>
-        <p:txBody>
-          <a:bodyPr rtlCol="0" anchor="ctr"/>
-          <a:lstStyle/>
-          <a:p>
-            <a:pPr algn="ctr"/>
-            <a:r>
-              <a:rPr lang="de-DE" smtClean="0">
-                <a:solidFill>
-                  <a:schemeClr val="tx1"/>
-                </a:solidFill>
-                <a:latin typeface="Courier New" panose="02070309020205020404" pitchFamily="49" charset="0"/>
-                <a:cs typeface="Courier New" panose="02070309020205020404" pitchFamily="49" charset="0"/>
-              </a:rPr>
-              <a:t>PTIME</a:t>
-            </a:r>
-            <a:endParaRPr lang="en-US">
-              <a:solidFill>
-                <a:schemeClr val="tx1"/>
-              </a:solidFill>
-              <a:latin typeface="Courier New" panose="02070309020205020404" pitchFamily="49" charset="0"/>
-              <a:cs typeface="Courier New" panose="02070309020205020404" pitchFamily="49" charset="0"/>
-            </a:endParaRPr>
-          </a:p>
-        </p:txBody>
-      </p:sp>
-      <p:sp>
-        <p:nvSpPr>
-          <p:cNvPr id="9" name="Ellipse 8"/>
-          <p:cNvSpPr/>
-          <p:nvPr/>
-        </p:nvSpPr>
-        <p:spPr>
-          <a:xfrm>
-            <a:off x="8051307" y="2810607"/>
-            <a:ext cx="2700000" cy="2700000"/>
-          </a:xfrm>
-          <a:prstGeom prst="ellipse">
-            <a:avLst/>
-          </a:prstGeom>
-          <a:solidFill>
-            <a:schemeClr val="bg1">
-              <a:alpha val="0"/>
-            </a:schemeClr>
-          </a:solidFill>
-          <a:ln>
-            <a:solidFill>
-              <a:schemeClr val="tx1"/>
-            </a:solidFill>
-          </a:ln>
-        </p:spPr>
-        <p:style>
-          <a:lnRef idx="2">
-            <a:schemeClr val="accent1">
-              <a:shade val="50000"/>
-            </a:schemeClr>
-          </a:lnRef>
-          <a:fillRef idx="1">
-            <a:schemeClr val="accent1"/>
-          </a:fillRef>
-          <a:effectRef idx="0">
-            <a:schemeClr val="accent1"/>
-          </a:effectRef>
-          <a:fontRef idx="minor">
-            <a:schemeClr val="lt1"/>
-          </a:fontRef>
-        </p:style>
-        <p:txBody>
-          <a:bodyPr rtlCol="0" anchor="ctr"/>
-          <a:lstStyle/>
-          <a:p>
-            <a:pPr algn="ctr"/>
-            <a:r>
-              <a:rPr lang="de-DE" smtClean="0">
-                <a:solidFill>
-                  <a:schemeClr val="tx1"/>
-                </a:solidFill>
-                <a:latin typeface="Courier New" panose="02070309020205020404" pitchFamily="49" charset="0"/>
-                <a:cs typeface="Courier New" panose="02070309020205020404" pitchFamily="49" charset="0"/>
-              </a:rPr>
-              <a:t>N2EXPTIME</a:t>
-            </a:r>
-            <a:endParaRPr lang="en-US">
-              <a:solidFill>
-                <a:schemeClr val="tx1"/>
-              </a:solidFill>
-              <a:latin typeface="Courier New" panose="02070309020205020404" pitchFamily="49" charset="0"/>
-              <a:cs typeface="Courier New" panose="02070309020205020404" pitchFamily="49" charset="0"/>
-            </a:endParaRPr>
-          </a:p>
-        </p:txBody>
-      </p:sp>
-      <p:sp>
-        <p:nvSpPr>
           <p:cNvPr id="10" name="Inhaltsplatzhalter 2"/>
           <p:cNvSpPr txBox="1">
             <a:spLocks/>
@@ -3377,7 +3347,7 @@
         </p:nvSpPr>
         <p:spPr>
           <a:xfrm>
-            <a:off x="2387600" y="2011742"/>
+            <a:off x="5764888" y="2565330"/>
             <a:ext cx="2451100" cy="392465"/>
           </a:xfrm>
           <a:prstGeom prst="rect">
@@ -3577,7 +3547,7 @@
         </p:nvSpPr>
         <p:spPr>
           <a:xfrm>
-            <a:off x="3527069" y="5082145"/>
+            <a:off x="3682159" y="4034716"/>
             <a:ext cx="2451100" cy="392465"/>
           </a:xfrm>
           <a:prstGeom prst="rect">
@@ -3761,6 +3731,613 @@
               <a:t>- R</a:t>
             </a:r>
             <a:endParaRPr lang="en-US" sz="1600">
+              <a:latin typeface="Courier New" panose="02070309020205020404" pitchFamily="49" charset="0"/>
+              <a:cs typeface="Courier New" panose="02070309020205020404" pitchFamily="49" charset="0"/>
+            </a:endParaRPr>
+          </a:p>
+        </p:txBody>
+      </p:sp>
+      <p:sp>
+        <p:nvSpPr>
+          <p:cNvPr id="12" name="Inhaltsplatzhalter 2"/>
+          <p:cNvSpPr txBox="1">
+            <a:spLocks/>
+          </p:cNvSpPr>
+          <p:nvPr/>
+        </p:nvSpPr>
+        <p:spPr>
+          <a:xfrm>
+            <a:off x="4154507" y="5214892"/>
+            <a:ext cx="2451100" cy="392465"/>
+          </a:xfrm>
+          <a:prstGeom prst="rect">
+            <a:avLst/>
+          </a:prstGeom>
+        </p:spPr>
+        <p:txBody>
+          <a:bodyPr vert="horz" lIns="91440" tIns="45720" rIns="91440" bIns="45720" rtlCol="0">
+            <a:normAutofit/>
+          </a:bodyPr>
+          <a:lstStyle>
+            <a:lvl1pPr marL="0" indent="0" algn="ctr" defTabSz="914400" rtl="0" eaLnBrk="1" latinLnBrk="0" hangingPunct="1">
+              <a:lnSpc>
+                <a:spcPct val="90000"/>
+              </a:lnSpc>
+              <a:spcBef>
+                <a:spcPts val="1000"/>
+              </a:spcBef>
+              <a:buFont typeface="Arial" panose="020B0604020202020204" pitchFamily="34" charset="0"/>
+              <a:buNone/>
+              <a:defRPr sz="2400" kern="1200">
+                <a:solidFill>
+                  <a:schemeClr val="tx1"/>
+                </a:solidFill>
+                <a:latin typeface="+mn-lt"/>
+                <a:ea typeface="+mn-ea"/>
+                <a:cs typeface="+mn-cs"/>
+              </a:defRPr>
+            </a:lvl1pPr>
+            <a:lvl2pPr marL="457200" indent="0" algn="ctr" defTabSz="914400" rtl="0" eaLnBrk="1" latinLnBrk="0" hangingPunct="1">
+              <a:lnSpc>
+                <a:spcPct val="90000"/>
+              </a:lnSpc>
+              <a:spcBef>
+                <a:spcPts val="500"/>
+              </a:spcBef>
+              <a:buFont typeface="Arial" panose="020B0604020202020204" pitchFamily="34" charset="0"/>
+              <a:buNone/>
+              <a:defRPr sz="2000" kern="1200">
+                <a:solidFill>
+                  <a:schemeClr val="tx1"/>
+                </a:solidFill>
+                <a:latin typeface="+mn-lt"/>
+                <a:ea typeface="+mn-ea"/>
+                <a:cs typeface="+mn-cs"/>
+              </a:defRPr>
+            </a:lvl2pPr>
+            <a:lvl3pPr marL="914400" indent="0" algn="ctr" defTabSz="914400" rtl="0" eaLnBrk="1" latinLnBrk="0" hangingPunct="1">
+              <a:lnSpc>
+                <a:spcPct val="90000"/>
+              </a:lnSpc>
+              <a:spcBef>
+                <a:spcPts val="500"/>
+              </a:spcBef>
+              <a:buFont typeface="Arial" panose="020B0604020202020204" pitchFamily="34" charset="0"/>
+              <a:buNone/>
+              <a:defRPr sz="1800" kern="1200">
+                <a:solidFill>
+                  <a:schemeClr val="tx1"/>
+                </a:solidFill>
+                <a:latin typeface="+mn-lt"/>
+                <a:ea typeface="+mn-ea"/>
+                <a:cs typeface="+mn-cs"/>
+              </a:defRPr>
+            </a:lvl3pPr>
+            <a:lvl4pPr marL="1371600" indent="0" algn="ctr" defTabSz="914400" rtl="0" eaLnBrk="1" latinLnBrk="0" hangingPunct="1">
+              <a:lnSpc>
+                <a:spcPct val="90000"/>
+              </a:lnSpc>
+              <a:spcBef>
+                <a:spcPts val="500"/>
+              </a:spcBef>
+              <a:buFont typeface="Arial" panose="020B0604020202020204" pitchFamily="34" charset="0"/>
+              <a:buNone/>
+              <a:defRPr sz="1600" kern="1200">
+                <a:solidFill>
+                  <a:schemeClr val="tx1"/>
+                </a:solidFill>
+                <a:latin typeface="+mn-lt"/>
+                <a:ea typeface="+mn-ea"/>
+                <a:cs typeface="+mn-cs"/>
+              </a:defRPr>
+            </a:lvl4pPr>
+            <a:lvl5pPr marL="1828800" indent="0" algn="ctr" defTabSz="914400" rtl="0" eaLnBrk="1" latinLnBrk="0" hangingPunct="1">
+              <a:lnSpc>
+                <a:spcPct val="90000"/>
+              </a:lnSpc>
+              <a:spcBef>
+                <a:spcPts val="500"/>
+              </a:spcBef>
+              <a:buFont typeface="Arial" panose="020B0604020202020204" pitchFamily="34" charset="0"/>
+              <a:buNone/>
+              <a:defRPr sz="1600" kern="1200">
+                <a:solidFill>
+                  <a:schemeClr val="tx1"/>
+                </a:solidFill>
+                <a:latin typeface="+mn-lt"/>
+                <a:ea typeface="+mn-ea"/>
+                <a:cs typeface="+mn-cs"/>
+              </a:defRPr>
+            </a:lvl5pPr>
+            <a:lvl6pPr marL="2286000" indent="0" algn="ctr" defTabSz="914400" rtl="0" eaLnBrk="1" latinLnBrk="0" hangingPunct="1">
+              <a:lnSpc>
+                <a:spcPct val="90000"/>
+              </a:lnSpc>
+              <a:spcBef>
+                <a:spcPts val="500"/>
+              </a:spcBef>
+              <a:buFont typeface="Arial" panose="020B0604020202020204" pitchFamily="34" charset="0"/>
+              <a:buNone/>
+              <a:defRPr sz="1600" kern="1200">
+                <a:solidFill>
+                  <a:schemeClr val="tx1"/>
+                </a:solidFill>
+                <a:latin typeface="+mn-lt"/>
+                <a:ea typeface="+mn-ea"/>
+                <a:cs typeface="+mn-cs"/>
+              </a:defRPr>
+            </a:lvl6pPr>
+            <a:lvl7pPr marL="2743200" indent="0" algn="ctr" defTabSz="914400" rtl="0" eaLnBrk="1" latinLnBrk="0" hangingPunct="1">
+              <a:lnSpc>
+                <a:spcPct val="90000"/>
+              </a:lnSpc>
+              <a:spcBef>
+                <a:spcPts val="500"/>
+              </a:spcBef>
+              <a:buFont typeface="Arial" panose="020B0604020202020204" pitchFamily="34" charset="0"/>
+              <a:buNone/>
+              <a:defRPr sz="1600" kern="1200">
+                <a:solidFill>
+                  <a:schemeClr val="tx1"/>
+                </a:solidFill>
+                <a:latin typeface="+mn-lt"/>
+                <a:ea typeface="+mn-ea"/>
+                <a:cs typeface="+mn-cs"/>
+              </a:defRPr>
+            </a:lvl7pPr>
+            <a:lvl8pPr marL="3200400" indent="0" algn="ctr" defTabSz="914400" rtl="0" eaLnBrk="1" latinLnBrk="0" hangingPunct="1">
+              <a:lnSpc>
+                <a:spcPct val="90000"/>
+              </a:lnSpc>
+              <a:spcBef>
+                <a:spcPts val="500"/>
+              </a:spcBef>
+              <a:buFont typeface="Arial" panose="020B0604020202020204" pitchFamily="34" charset="0"/>
+              <a:buNone/>
+              <a:defRPr sz="1600" kern="1200">
+                <a:solidFill>
+                  <a:schemeClr val="tx1"/>
+                </a:solidFill>
+                <a:latin typeface="+mn-lt"/>
+                <a:ea typeface="+mn-ea"/>
+                <a:cs typeface="+mn-cs"/>
+              </a:defRPr>
+            </a:lvl8pPr>
+            <a:lvl9pPr marL="3657600" indent="0" algn="ctr" defTabSz="914400" rtl="0" eaLnBrk="1" latinLnBrk="0" hangingPunct="1">
+              <a:lnSpc>
+                <a:spcPct val="90000"/>
+              </a:lnSpc>
+              <a:spcBef>
+                <a:spcPts val="500"/>
+              </a:spcBef>
+              <a:buFont typeface="Arial" panose="020B0604020202020204" pitchFamily="34" charset="0"/>
+              <a:buNone/>
+              <a:defRPr sz="1600" kern="1200">
+                <a:solidFill>
+                  <a:schemeClr val="tx1"/>
+                </a:solidFill>
+                <a:latin typeface="+mn-lt"/>
+                <a:ea typeface="+mn-ea"/>
+                <a:cs typeface="+mn-cs"/>
+              </a:defRPr>
+            </a:lvl9pPr>
+          </a:lstStyle>
+          <a:p>
+            <a:r>
+              <a:rPr lang="de-DE" sz="1600" b="1" smtClean="0">
+                <a:latin typeface="Courier New" panose="02070309020205020404" pitchFamily="49" charset="0"/>
+                <a:cs typeface="Courier New" panose="02070309020205020404" pitchFamily="49" charset="0"/>
+              </a:rPr>
+              <a:t>PTIME</a:t>
+            </a:r>
+            <a:endParaRPr lang="en-US" sz="1600" b="1">
+              <a:latin typeface="Courier New" panose="02070309020205020404" pitchFamily="49" charset="0"/>
+              <a:cs typeface="Courier New" panose="02070309020205020404" pitchFamily="49" charset="0"/>
+            </a:endParaRPr>
+          </a:p>
+        </p:txBody>
+      </p:sp>
+      <p:sp>
+        <p:nvSpPr>
+          <p:cNvPr id="13" name="Inhaltsplatzhalter 2"/>
+          <p:cNvSpPr txBox="1">
+            <a:spLocks/>
+          </p:cNvSpPr>
+          <p:nvPr/>
+        </p:nvSpPr>
+        <p:spPr>
+          <a:xfrm>
+            <a:off x="4576854" y="1708260"/>
+            <a:ext cx="2451100" cy="392465"/>
+          </a:xfrm>
+          <a:prstGeom prst="rect">
+            <a:avLst/>
+          </a:prstGeom>
+        </p:spPr>
+        <p:txBody>
+          <a:bodyPr vert="horz" lIns="91440" tIns="45720" rIns="91440" bIns="45720" rtlCol="0">
+            <a:normAutofit/>
+          </a:bodyPr>
+          <a:lstStyle>
+            <a:lvl1pPr marL="0" indent="0" algn="ctr" defTabSz="914400" rtl="0" eaLnBrk="1" latinLnBrk="0" hangingPunct="1">
+              <a:lnSpc>
+                <a:spcPct val="90000"/>
+              </a:lnSpc>
+              <a:spcBef>
+                <a:spcPts val="1000"/>
+              </a:spcBef>
+              <a:buFont typeface="Arial" panose="020B0604020202020204" pitchFamily="34" charset="0"/>
+              <a:buNone/>
+              <a:defRPr sz="2400" kern="1200">
+                <a:solidFill>
+                  <a:schemeClr val="tx1"/>
+                </a:solidFill>
+                <a:latin typeface="+mn-lt"/>
+                <a:ea typeface="+mn-ea"/>
+                <a:cs typeface="+mn-cs"/>
+              </a:defRPr>
+            </a:lvl1pPr>
+            <a:lvl2pPr marL="457200" indent="0" algn="ctr" defTabSz="914400" rtl="0" eaLnBrk="1" latinLnBrk="0" hangingPunct="1">
+              <a:lnSpc>
+                <a:spcPct val="90000"/>
+              </a:lnSpc>
+              <a:spcBef>
+                <a:spcPts val="500"/>
+              </a:spcBef>
+              <a:buFont typeface="Arial" panose="020B0604020202020204" pitchFamily="34" charset="0"/>
+              <a:buNone/>
+              <a:defRPr sz="2000" kern="1200">
+                <a:solidFill>
+                  <a:schemeClr val="tx1"/>
+                </a:solidFill>
+                <a:latin typeface="+mn-lt"/>
+                <a:ea typeface="+mn-ea"/>
+                <a:cs typeface="+mn-cs"/>
+              </a:defRPr>
+            </a:lvl2pPr>
+            <a:lvl3pPr marL="914400" indent="0" algn="ctr" defTabSz="914400" rtl="0" eaLnBrk="1" latinLnBrk="0" hangingPunct="1">
+              <a:lnSpc>
+                <a:spcPct val="90000"/>
+              </a:lnSpc>
+              <a:spcBef>
+                <a:spcPts val="500"/>
+              </a:spcBef>
+              <a:buFont typeface="Arial" panose="020B0604020202020204" pitchFamily="34" charset="0"/>
+              <a:buNone/>
+              <a:defRPr sz="1800" kern="1200">
+                <a:solidFill>
+                  <a:schemeClr val="tx1"/>
+                </a:solidFill>
+                <a:latin typeface="+mn-lt"/>
+                <a:ea typeface="+mn-ea"/>
+                <a:cs typeface="+mn-cs"/>
+              </a:defRPr>
+            </a:lvl3pPr>
+            <a:lvl4pPr marL="1371600" indent="0" algn="ctr" defTabSz="914400" rtl="0" eaLnBrk="1" latinLnBrk="0" hangingPunct="1">
+              <a:lnSpc>
+                <a:spcPct val="90000"/>
+              </a:lnSpc>
+              <a:spcBef>
+                <a:spcPts val="500"/>
+              </a:spcBef>
+              <a:buFont typeface="Arial" panose="020B0604020202020204" pitchFamily="34" charset="0"/>
+              <a:buNone/>
+              <a:defRPr sz="1600" kern="1200">
+                <a:solidFill>
+                  <a:schemeClr val="tx1"/>
+                </a:solidFill>
+                <a:latin typeface="+mn-lt"/>
+                <a:ea typeface="+mn-ea"/>
+                <a:cs typeface="+mn-cs"/>
+              </a:defRPr>
+            </a:lvl4pPr>
+            <a:lvl5pPr marL="1828800" indent="0" algn="ctr" defTabSz="914400" rtl="0" eaLnBrk="1" latinLnBrk="0" hangingPunct="1">
+              <a:lnSpc>
+                <a:spcPct val="90000"/>
+              </a:lnSpc>
+              <a:spcBef>
+                <a:spcPts val="500"/>
+              </a:spcBef>
+              <a:buFont typeface="Arial" panose="020B0604020202020204" pitchFamily="34" charset="0"/>
+              <a:buNone/>
+              <a:defRPr sz="1600" kern="1200">
+                <a:solidFill>
+                  <a:schemeClr val="tx1"/>
+                </a:solidFill>
+                <a:latin typeface="+mn-lt"/>
+                <a:ea typeface="+mn-ea"/>
+                <a:cs typeface="+mn-cs"/>
+              </a:defRPr>
+            </a:lvl5pPr>
+            <a:lvl6pPr marL="2286000" indent="0" algn="ctr" defTabSz="914400" rtl="0" eaLnBrk="1" latinLnBrk="0" hangingPunct="1">
+              <a:lnSpc>
+                <a:spcPct val="90000"/>
+              </a:lnSpc>
+              <a:spcBef>
+                <a:spcPts val="500"/>
+              </a:spcBef>
+              <a:buFont typeface="Arial" panose="020B0604020202020204" pitchFamily="34" charset="0"/>
+              <a:buNone/>
+              <a:defRPr sz="1600" kern="1200">
+                <a:solidFill>
+                  <a:schemeClr val="tx1"/>
+                </a:solidFill>
+                <a:latin typeface="+mn-lt"/>
+                <a:ea typeface="+mn-ea"/>
+                <a:cs typeface="+mn-cs"/>
+              </a:defRPr>
+            </a:lvl6pPr>
+            <a:lvl7pPr marL="2743200" indent="0" algn="ctr" defTabSz="914400" rtl="0" eaLnBrk="1" latinLnBrk="0" hangingPunct="1">
+              <a:lnSpc>
+                <a:spcPct val="90000"/>
+              </a:lnSpc>
+              <a:spcBef>
+                <a:spcPts val="500"/>
+              </a:spcBef>
+              <a:buFont typeface="Arial" panose="020B0604020202020204" pitchFamily="34" charset="0"/>
+              <a:buNone/>
+              <a:defRPr sz="1600" kern="1200">
+                <a:solidFill>
+                  <a:schemeClr val="tx1"/>
+                </a:solidFill>
+                <a:latin typeface="+mn-lt"/>
+                <a:ea typeface="+mn-ea"/>
+                <a:cs typeface="+mn-cs"/>
+              </a:defRPr>
+            </a:lvl7pPr>
+            <a:lvl8pPr marL="3200400" indent="0" algn="ctr" defTabSz="914400" rtl="0" eaLnBrk="1" latinLnBrk="0" hangingPunct="1">
+              <a:lnSpc>
+                <a:spcPct val="90000"/>
+              </a:lnSpc>
+              <a:spcBef>
+                <a:spcPts val="500"/>
+              </a:spcBef>
+              <a:buFont typeface="Arial" panose="020B0604020202020204" pitchFamily="34" charset="0"/>
+              <a:buNone/>
+              <a:defRPr sz="1600" kern="1200">
+                <a:solidFill>
+                  <a:schemeClr val="tx1"/>
+                </a:solidFill>
+                <a:latin typeface="+mn-lt"/>
+                <a:ea typeface="+mn-ea"/>
+                <a:cs typeface="+mn-cs"/>
+              </a:defRPr>
+            </a:lvl8pPr>
+            <a:lvl9pPr marL="3657600" indent="0" algn="ctr" defTabSz="914400" rtl="0" eaLnBrk="1" latinLnBrk="0" hangingPunct="1">
+              <a:lnSpc>
+                <a:spcPct val="90000"/>
+              </a:lnSpc>
+              <a:spcBef>
+                <a:spcPts val="500"/>
+              </a:spcBef>
+              <a:buFont typeface="Arial" panose="020B0604020202020204" pitchFamily="34" charset="0"/>
+              <a:buNone/>
+              <a:defRPr sz="1600" kern="1200">
+                <a:solidFill>
+                  <a:schemeClr val="tx1"/>
+                </a:solidFill>
+                <a:latin typeface="+mn-lt"/>
+                <a:ea typeface="+mn-ea"/>
+                <a:cs typeface="+mn-cs"/>
+              </a:defRPr>
+            </a:lvl9pPr>
+          </a:lstStyle>
+          <a:p>
+            <a:r>
+              <a:rPr lang="de-DE" sz="1600" b="1" smtClean="0">
+                <a:latin typeface="Courier New" panose="02070309020205020404" pitchFamily="49" charset="0"/>
+                <a:cs typeface="Courier New" panose="02070309020205020404" pitchFamily="49" charset="0"/>
+              </a:rPr>
+              <a:t>PTIME</a:t>
+            </a:r>
+            <a:r>
+              <a:rPr lang="de-DE" sz="1600" b="1">
+                <a:latin typeface="Courier New" panose="02070309020205020404" pitchFamily="49" charset="0"/>
+                <a:cs typeface="Courier New" panose="02070309020205020404" pitchFamily="49" charset="0"/>
+              </a:rPr>
+              <a:t> N2EXPTIME</a:t>
+            </a:r>
+            <a:endParaRPr lang="en-US" sz="1600" b="1">
+              <a:latin typeface="Courier New" panose="02070309020205020404" pitchFamily="49" charset="0"/>
+              <a:cs typeface="Courier New" panose="02070309020205020404" pitchFamily="49" charset="0"/>
+            </a:endParaRPr>
+          </a:p>
+        </p:txBody>
+      </p:sp>
+      <p:sp>
+        <p:nvSpPr>
+          <p:cNvPr id="14" name="Inhaltsplatzhalter 2"/>
+          <p:cNvSpPr txBox="1">
+            <a:spLocks/>
+          </p:cNvSpPr>
+          <p:nvPr/>
+        </p:nvSpPr>
+        <p:spPr>
+          <a:xfrm>
+            <a:off x="3149107" y="3331039"/>
+            <a:ext cx="2451100" cy="392465"/>
+          </a:xfrm>
+          <a:prstGeom prst="rect">
+            <a:avLst/>
+          </a:prstGeom>
+        </p:spPr>
+        <p:txBody>
+          <a:bodyPr vert="horz" lIns="91440" tIns="45720" rIns="91440" bIns="45720" rtlCol="0">
+            <a:normAutofit/>
+          </a:bodyPr>
+          <a:lstStyle>
+            <a:lvl1pPr marL="0" indent="0" algn="ctr" defTabSz="914400" rtl="0" eaLnBrk="1" latinLnBrk="0" hangingPunct="1">
+              <a:lnSpc>
+                <a:spcPct val="90000"/>
+              </a:lnSpc>
+              <a:spcBef>
+                <a:spcPts val="1000"/>
+              </a:spcBef>
+              <a:buFont typeface="Arial" panose="020B0604020202020204" pitchFamily="34" charset="0"/>
+              <a:buNone/>
+              <a:defRPr sz="2400" kern="1200">
+                <a:solidFill>
+                  <a:schemeClr val="tx1"/>
+                </a:solidFill>
+                <a:latin typeface="+mn-lt"/>
+                <a:ea typeface="+mn-ea"/>
+                <a:cs typeface="+mn-cs"/>
+              </a:defRPr>
+            </a:lvl1pPr>
+            <a:lvl2pPr marL="457200" indent="0" algn="ctr" defTabSz="914400" rtl="0" eaLnBrk="1" latinLnBrk="0" hangingPunct="1">
+              <a:lnSpc>
+                <a:spcPct val="90000"/>
+              </a:lnSpc>
+              <a:spcBef>
+                <a:spcPts val="500"/>
+              </a:spcBef>
+              <a:buFont typeface="Arial" panose="020B0604020202020204" pitchFamily="34" charset="0"/>
+              <a:buNone/>
+              <a:defRPr sz="2000" kern="1200">
+                <a:solidFill>
+                  <a:schemeClr val="tx1"/>
+                </a:solidFill>
+                <a:latin typeface="+mn-lt"/>
+                <a:ea typeface="+mn-ea"/>
+                <a:cs typeface="+mn-cs"/>
+              </a:defRPr>
+            </a:lvl2pPr>
+            <a:lvl3pPr marL="914400" indent="0" algn="ctr" defTabSz="914400" rtl="0" eaLnBrk="1" latinLnBrk="0" hangingPunct="1">
+              <a:lnSpc>
+                <a:spcPct val="90000"/>
+              </a:lnSpc>
+              <a:spcBef>
+                <a:spcPts val="500"/>
+              </a:spcBef>
+              <a:buFont typeface="Arial" panose="020B0604020202020204" pitchFamily="34" charset="0"/>
+              <a:buNone/>
+              <a:defRPr sz="1800" kern="1200">
+                <a:solidFill>
+                  <a:schemeClr val="tx1"/>
+                </a:solidFill>
+                <a:latin typeface="+mn-lt"/>
+                <a:ea typeface="+mn-ea"/>
+                <a:cs typeface="+mn-cs"/>
+              </a:defRPr>
+            </a:lvl3pPr>
+            <a:lvl4pPr marL="1371600" indent="0" algn="ctr" defTabSz="914400" rtl="0" eaLnBrk="1" latinLnBrk="0" hangingPunct="1">
+              <a:lnSpc>
+                <a:spcPct val="90000"/>
+              </a:lnSpc>
+              <a:spcBef>
+                <a:spcPts val="500"/>
+              </a:spcBef>
+              <a:buFont typeface="Arial" panose="020B0604020202020204" pitchFamily="34" charset="0"/>
+              <a:buNone/>
+              <a:defRPr sz="1600" kern="1200">
+                <a:solidFill>
+                  <a:schemeClr val="tx1"/>
+                </a:solidFill>
+                <a:latin typeface="+mn-lt"/>
+                <a:ea typeface="+mn-ea"/>
+                <a:cs typeface="+mn-cs"/>
+              </a:defRPr>
+            </a:lvl4pPr>
+            <a:lvl5pPr marL="1828800" indent="0" algn="ctr" defTabSz="914400" rtl="0" eaLnBrk="1" latinLnBrk="0" hangingPunct="1">
+              <a:lnSpc>
+                <a:spcPct val="90000"/>
+              </a:lnSpc>
+              <a:spcBef>
+                <a:spcPts val="500"/>
+              </a:spcBef>
+              <a:buFont typeface="Arial" panose="020B0604020202020204" pitchFamily="34" charset="0"/>
+              <a:buNone/>
+              <a:defRPr sz="1600" kern="1200">
+                <a:solidFill>
+                  <a:schemeClr val="tx1"/>
+                </a:solidFill>
+                <a:latin typeface="+mn-lt"/>
+                <a:ea typeface="+mn-ea"/>
+                <a:cs typeface="+mn-cs"/>
+              </a:defRPr>
+            </a:lvl5pPr>
+            <a:lvl6pPr marL="2286000" indent="0" algn="ctr" defTabSz="914400" rtl="0" eaLnBrk="1" latinLnBrk="0" hangingPunct="1">
+              <a:lnSpc>
+                <a:spcPct val="90000"/>
+              </a:lnSpc>
+              <a:spcBef>
+                <a:spcPts val="500"/>
+              </a:spcBef>
+              <a:buFont typeface="Arial" panose="020B0604020202020204" pitchFamily="34" charset="0"/>
+              <a:buNone/>
+              <a:defRPr sz="1600" kern="1200">
+                <a:solidFill>
+                  <a:schemeClr val="tx1"/>
+                </a:solidFill>
+                <a:latin typeface="+mn-lt"/>
+                <a:ea typeface="+mn-ea"/>
+                <a:cs typeface="+mn-cs"/>
+              </a:defRPr>
+            </a:lvl6pPr>
+            <a:lvl7pPr marL="2743200" indent="0" algn="ctr" defTabSz="914400" rtl="0" eaLnBrk="1" latinLnBrk="0" hangingPunct="1">
+              <a:lnSpc>
+                <a:spcPct val="90000"/>
+              </a:lnSpc>
+              <a:spcBef>
+                <a:spcPts val="500"/>
+              </a:spcBef>
+              <a:buFont typeface="Arial" panose="020B0604020202020204" pitchFamily="34" charset="0"/>
+              <a:buNone/>
+              <a:defRPr sz="1600" kern="1200">
+                <a:solidFill>
+                  <a:schemeClr val="tx1"/>
+                </a:solidFill>
+                <a:latin typeface="+mn-lt"/>
+                <a:ea typeface="+mn-ea"/>
+                <a:cs typeface="+mn-cs"/>
+              </a:defRPr>
+            </a:lvl7pPr>
+            <a:lvl8pPr marL="3200400" indent="0" algn="ctr" defTabSz="914400" rtl="0" eaLnBrk="1" latinLnBrk="0" hangingPunct="1">
+              <a:lnSpc>
+                <a:spcPct val="90000"/>
+              </a:lnSpc>
+              <a:spcBef>
+                <a:spcPts val="500"/>
+              </a:spcBef>
+              <a:buFont typeface="Arial" panose="020B0604020202020204" pitchFamily="34" charset="0"/>
+              <a:buNone/>
+              <a:defRPr sz="1600" kern="1200">
+                <a:solidFill>
+                  <a:schemeClr val="tx1"/>
+                </a:solidFill>
+                <a:latin typeface="+mn-lt"/>
+                <a:ea typeface="+mn-ea"/>
+                <a:cs typeface="+mn-cs"/>
+              </a:defRPr>
+            </a:lvl8pPr>
+            <a:lvl9pPr marL="3657600" indent="0" algn="ctr" defTabSz="914400" rtl="0" eaLnBrk="1" latinLnBrk="0" hangingPunct="1">
+              <a:lnSpc>
+                <a:spcPct val="90000"/>
+              </a:lnSpc>
+              <a:spcBef>
+                <a:spcPts val="500"/>
+              </a:spcBef>
+              <a:buFont typeface="Arial" panose="020B0604020202020204" pitchFamily="34" charset="0"/>
+              <a:buNone/>
+              <a:defRPr sz="1600" kern="1200">
+                <a:solidFill>
+                  <a:schemeClr val="tx1"/>
+                </a:solidFill>
+                <a:latin typeface="+mn-lt"/>
+                <a:ea typeface="+mn-ea"/>
+                <a:cs typeface="+mn-cs"/>
+              </a:defRPr>
+            </a:lvl9pPr>
+          </a:lstStyle>
+          <a:p>
+            <a:r>
+              <a:rPr lang="de-DE" sz="1600" b="1">
+                <a:latin typeface="Courier New" panose="02070309020205020404" pitchFamily="49" charset="0"/>
+                <a:cs typeface="Courier New" panose="02070309020205020404" pitchFamily="49" charset="0"/>
+              </a:rPr>
+              <a:t>PSPACE-Complete</a:t>
+            </a:r>
+            <a:endParaRPr lang="en-US" sz="1600" b="1">
               <a:latin typeface="Courier New" panose="02070309020205020404" pitchFamily="49" charset="0"/>
               <a:cs typeface="Courier New" panose="02070309020205020404" pitchFamily="49" charset="0"/>
             </a:endParaRPr>
